--- a/report/Finals Presentation - Group 11.pptx
+++ b/report/Finals Presentation - Group 11.pptx
@@ -124,35 +124,6 @@
     </p:ext>
   </p:extLst>
 </p:presentation>
-</file>
-
-<file path=ppt/changesInfos/changesInfo1.xml><?xml version="1.0" encoding="utf-8"?>
-<pc:chgInfo xmlns:a="http://schemas.openxmlformats.org/drawingml/2006/main" xmlns:r="http://schemas.openxmlformats.org/officeDocument/2006/relationships" xmlns:ac="http://schemas.microsoft.com/office/drawing/2013/main/command" xmlns:pc="http://schemas.microsoft.com/office/powerpoint/2013/main/command">
-  <pc:docChgLst>
-    <pc:chgData name="Rommel Badilla" userId="9dfcdc6398300a27" providerId="LiveId" clId="{D27DF439-D69C-4566-9687-14C2E520E208}"/>
-    <pc:docChg chg="modSld">
-      <pc:chgData name="Rommel Badilla" userId="9dfcdc6398300a27" providerId="LiveId" clId="{D27DF439-D69C-4566-9687-14C2E520E208}" dt="2019-03-25T21:50:30.255" v="0" actId="20577"/>
-      <pc:docMkLst>
-        <pc:docMk/>
-      </pc:docMkLst>
-      <pc:sldChg chg="modSp">
-        <pc:chgData name="Rommel Badilla" userId="9dfcdc6398300a27" providerId="LiveId" clId="{D27DF439-D69C-4566-9687-14C2E520E208}" dt="2019-03-25T21:50:30.255" v="0" actId="20577"/>
-        <pc:sldMkLst>
-          <pc:docMk/>
-          <pc:sldMk cId="1953239621" sldId="257"/>
-        </pc:sldMkLst>
-        <pc:spChg chg="mod">
-          <ac:chgData name="Rommel Badilla" userId="9dfcdc6398300a27" providerId="LiveId" clId="{D27DF439-D69C-4566-9687-14C2E520E208}" dt="2019-03-25T21:50:30.255" v="0" actId="20577"/>
-          <ac:spMkLst>
-            <pc:docMk/>
-            <pc:sldMk cId="1953239621" sldId="257"/>
-            <ac:spMk id="3" creationId="{00000000-0000-0000-0000-000000000000}"/>
-          </ac:spMkLst>
-        </pc:spChg>
-      </pc:sldChg>
-    </pc:docChg>
-  </pc:docChgLst>
-</pc:chgInfo>
 </file>
 
 <file path=ppt/slideLayouts/slideLayout1.xml><?xml version="1.0" encoding="utf-8"?>
@@ -733,7 +704,7 @@
           </a:lstStyle>
           <a:p>
             <a:r>
-              <a:rPr lang="en-US" smtClean="0"/>
+              <a:rPr lang="en-US"/>
               <a:t>Click to edit Master title style</a:t>
             </a:r>
             <a:endParaRPr lang="en-US" dirty="0"/>
@@ -853,7 +824,7 @@
           </a:lstStyle>
           <a:p>
             <a:r>
-              <a:rPr lang="en-US" smtClean="0"/>
+              <a:rPr lang="en-US"/>
               <a:t>Click to edit Master subtitle style</a:t>
             </a:r>
             <a:endParaRPr lang="en-US" dirty="0"/>
@@ -984,7 +955,7 @@
           </a:lstStyle>
           <a:p>
             <a:r>
-              <a:rPr lang="en-US" smtClean="0"/>
+              <a:rPr lang="en-US"/>
               <a:t>Click to edit Master title style</a:t>
             </a:r>
             <a:endParaRPr lang="en-US" dirty="0"/>
@@ -1107,7 +1078,7 @@
           <a:p>
             <a:pPr lvl="0"/>
             <a:r>
-              <a:rPr lang="en-US" smtClean="0"/>
+              <a:rPr lang="en-US"/>
               <a:t>Click to edit Master text styles</a:t>
             </a:r>
           </a:p>
@@ -1237,7 +1208,7 @@
           </a:lstStyle>
           <a:p>
             <a:r>
-              <a:rPr lang="en-US" smtClean="0"/>
+              <a:rPr lang="en-US"/>
               <a:t>Click to edit Master title style</a:t>
             </a:r>
             <a:endParaRPr lang="en-US" dirty="0"/>
@@ -1301,7 +1272,7 @@
           <a:p>
             <a:pPr lvl="0"/>
             <a:r>
-              <a:rPr lang="en-US" smtClean="0"/>
+              <a:rPr lang="en-US"/>
               <a:t>Click to edit Master text styles</a:t>
             </a:r>
           </a:p>
@@ -1423,7 +1394,7 @@
           <a:p>
             <a:pPr lvl="0"/>
             <a:r>
-              <a:rPr lang="en-US" smtClean="0"/>
+              <a:rPr lang="en-US"/>
               <a:t>Click to edit Master text styles</a:t>
             </a:r>
           </a:p>
@@ -1643,7 +1614,7 @@
           </a:lstStyle>
           <a:p>
             <a:r>
-              <a:rPr lang="en-US" smtClean="0"/>
+              <a:rPr lang="en-US"/>
               <a:t>Click to edit Master title style</a:t>
             </a:r>
             <a:endParaRPr lang="en-US" dirty="0"/>
@@ -1766,7 +1737,7 @@
           <a:p>
             <a:pPr lvl="0"/>
             <a:r>
-              <a:rPr lang="en-US" smtClean="0"/>
+              <a:rPr lang="en-US"/>
               <a:t>Click to edit Master text styles</a:t>
             </a:r>
           </a:p>
@@ -1896,7 +1867,7 @@
           </a:lstStyle>
           <a:p>
             <a:r>
-              <a:rPr lang="en-US" smtClean="0"/>
+              <a:rPr lang="en-US"/>
               <a:t>Click to edit Master title style</a:t>
             </a:r>
             <a:endParaRPr lang="en-US" dirty="0"/>
@@ -1960,7 +1931,7 @@
           <a:p>
             <a:pPr lvl="0"/>
             <a:r>
-              <a:rPr lang="en-US" smtClean="0"/>
+              <a:rPr lang="en-US"/>
               <a:t>Click to edit Master text styles</a:t>
             </a:r>
           </a:p>
@@ -2082,7 +2053,7 @@
           <a:p>
             <a:pPr lvl="0"/>
             <a:r>
-              <a:rPr lang="en-US" smtClean="0"/>
+              <a:rPr lang="en-US"/>
               <a:t>Click to edit Master text styles</a:t>
             </a:r>
           </a:p>
@@ -2294,7 +2265,7 @@
           </a:lstStyle>
           <a:p>
             <a:r>
-              <a:rPr lang="en-US" smtClean="0"/>
+              <a:rPr lang="en-US"/>
               <a:t>Click to edit Master title style</a:t>
             </a:r>
             <a:endParaRPr lang="en-US" dirty="0"/>
@@ -2355,7 +2326,7 @@
           <a:p>
             <a:pPr lvl="0"/>
             <a:r>
-              <a:rPr lang="en-US" smtClean="0"/>
+              <a:rPr lang="en-US"/>
               <a:t>Click to edit Master text styles</a:t>
             </a:r>
           </a:p>
@@ -2477,7 +2448,7 @@
           <a:p>
             <a:pPr lvl="0"/>
             <a:r>
-              <a:rPr lang="en-US" smtClean="0"/>
+              <a:rPr lang="en-US"/>
               <a:t>Click to edit Master text styles</a:t>
             </a:r>
           </a:p>
@@ -2596,7 +2567,7 @@
           <a:lstStyle/>
           <a:p>
             <a:r>
-              <a:rPr lang="en-US" smtClean="0"/>
+              <a:rPr lang="en-US"/>
               <a:t>Click to edit Master title style</a:t>
             </a:r>
             <a:endParaRPr lang="en-US" dirty="0"/>
@@ -2620,35 +2591,35 @@
           <a:p>
             <a:pPr lvl="0"/>
             <a:r>
-              <a:rPr lang="en-US" smtClean="0"/>
+              <a:rPr lang="en-US"/>
               <a:t>Click to edit Master text styles</a:t>
             </a:r>
           </a:p>
           <a:p>
             <a:pPr lvl="1"/>
             <a:r>
-              <a:rPr lang="en-US" smtClean="0"/>
+              <a:rPr lang="en-US"/>
               <a:t>Second level</a:t>
             </a:r>
           </a:p>
           <a:p>
             <a:pPr lvl="2"/>
             <a:r>
-              <a:rPr lang="en-US" smtClean="0"/>
+              <a:rPr lang="en-US"/>
               <a:t>Third level</a:t>
             </a:r>
           </a:p>
           <a:p>
             <a:pPr lvl="3"/>
             <a:r>
-              <a:rPr lang="en-US" smtClean="0"/>
+              <a:rPr lang="en-US"/>
               <a:t>Fourth level</a:t>
             </a:r>
           </a:p>
           <a:p>
             <a:pPr lvl="4"/>
             <a:r>
-              <a:rPr lang="en-US" smtClean="0"/>
+              <a:rPr lang="en-US"/>
               <a:t>Fifth level</a:t>
             </a:r>
             <a:endParaRPr lang="en-US" dirty="0"/>
@@ -2771,7 +2742,7 @@
           <a:lstStyle/>
           <a:p>
             <a:r>
-              <a:rPr lang="en-US" smtClean="0"/>
+              <a:rPr lang="en-US"/>
               <a:t>Click to edit Master title style</a:t>
             </a:r>
             <a:endParaRPr lang="en-US" dirty="0"/>
@@ -2800,35 +2771,35 @@
           <a:p>
             <a:pPr lvl="0"/>
             <a:r>
-              <a:rPr lang="en-US" smtClean="0"/>
+              <a:rPr lang="en-US"/>
               <a:t>Click to edit Master text styles</a:t>
             </a:r>
           </a:p>
           <a:p>
             <a:pPr lvl="1"/>
             <a:r>
-              <a:rPr lang="en-US" smtClean="0"/>
+              <a:rPr lang="en-US"/>
               <a:t>Second level</a:t>
             </a:r>
           </a:p>
           <a:p>
             <a:pPr lvl="2"/>
             <a:r>
-              <a:rPr lang="en-US" smtClean="0"/>
+              <a:rPr lang="en-US"/>
               <a:t>Third level</a:t>
             </a:r>
           </a:p>
           <a:p>
             <a:pPr lvl="3"/>
             <a:r>
-              <a:rPr lang="en-US" smtClean="0"/>
+              <a:rPr lang="en-US"/>
               <a:t>Fourth level</a:t>
             </a:r>
           </a:p>
           <a:p>
             <a:pPr lvl="4"/>
             <a:r>
-              <a:rPr lang="en-US" smtClean="0"/>
+              <a:rPr lang="en-US"/>
               <a:t>Fifth level</a:t>
             </a:r>
             <a:endParaRPr lang="en-US" dirty="0"/>
@@ -2954,7 +2925,7 @@
           </a:lstStyle>
           <a:p>
             <a:r>
-              <a:rPr lang="en-US" smtClean="0"/>
+              <a:rPr lang="en-US"/>
               <a:t>Click to edit Master title style</a:t>
             </a:r>
             <a:endParaRPr lang="en-US" dirty="0"/>
@@ -2978,35 +2949,35 @@
           <a:p>
             <a:pPr lvl="0"/>
             <a:r>
-              <a:rPr lang="en-US" smtClean="0"/>
+              <a:rPr lang="en-US"/>
               <a:t>Click to edit Master text styles</a:t>
             </a:r>
           </a:p>
           <a:p>
             <a:pPr lvl="1"/>
             <a:r>
-              <a:rPr lang="en-US" smtClean="0"/>
+              <a:rPr lang="en-US"/>
               <a:t>Second level</a:t>
             </a:r>
           </a:p>
           <a:p>
             <a:pPr lvl="2"/>
             <a:r>
-              <a:rPr lang="en-US" smtClean="0"/>
+              <a:rPr lang="en-US"/>
               <a:t>Third level</a:t>
             </a:r>
           </a:p>
           <a:p>
             <a:pPr lvl="3"/>
             <a:r>
-              <a:rPr lang="en-US" smtClean="0"/>
+              <a:rPr lang="en-US"/>
               <a:t>Fourth level</a:t>
             </a:r>
           </a:p>
           <a:p>
             <a:pPr lvl="4"/>
             <a:r>
-              <a:rPr lang="en-US" smtClean="0"/>
+              <a:rPr lang="en-US"/>
               <a:t>Fifth level</a:t>
             </a:r>
             <a:endParaRPr lang="en-US" dirty="0"/>
@@ -3133,7 +3104,7 @@
           </a:lstStyle>
           <a:p>
             <a:r>
-              <a:rPr lang="en-US" smtClean="0"/>
+              <a:rPr lang="en-US"/>
               <a:t>Click to edit Master title style</a:t>
             </a:r>
             <a:endParaRPr lang="en-US" dirty="0"/>
@@ -3254,7 +3225,7 @@
           <a:p>
             <a:pPr lvl="0"/>
             <a:r>
-              <a:rPr lang="en-US" smtClean="0"/>
+              <a:rPr lang="en-US"/>
               <a:t>Click to edit Master text styles</a:t>
             </a:r>
           </a:p>
@@ -3373,7 +3344,7 @@
           <a:lstStyle/>
           <a:p>
             <a:r>
-              <a:rPr lang="en-US" smtClean="0"/>
+              <a:rPr lang="en-US"/>
               <a:t>Click to edit Master title style</a:t>
             </a:r>
             <a:endParaRPr lang="en-US" dirty="0"/>
@@ -3402,35 +3373,35 @@
           <a:p>
             <a:pPr lvl="0"/>
             <a:r>
-              <a:rPr lang="en-US" smtClean="0"/>
+              <a:rPr lang="en-US"/>
               <a:t>Click to edit Master text styles</a:t>
             </a:r>
           </a:p>
           <a:p>
             <a:pPr lvl="1"/>
             <a:r>
-              <a:rPr lang="en-US" smtClean="0"/>
+              <a:rPr lang="en-US"/>
               <a:t>Second level</a:t>
             </a:r>
           </a:p>
           <a:p>
             <a:pPr lvl="2"/>
             <a:r>
-              <a:rPr lang="en-US" smtClean="0"/>
+              <a:rPr lang="en-US"/>
               <a:t>Third level</a:t>
             </a:r>
           </a:p>
           <a:p>
             <a:pPr lvl="3"/>
             <a:r>
-              <a:rPr lang="en-US" smtClean="0"/>
+              <a:rPr lang="en-US"/>
               <a:t>Fourth level</a:t>
             </a:r>
           </a:p>
           <a:p>
             <a:pPr lvl="4"/>
             <a:r>
-              <a:rPr lang="en-US" smtClean="0"/>
+              <a:rPr lang="en-US"/>
               <a:t>Fifth level</a:t>
             </a:r>
             <a:endParaRPr lang="en-US" dirty="0"/>
@@ -3459,35 +3430,35 @@
           <a:p>
             <a:pPr lvl="0"/>
             <a:r>
-              <a:rPr lang="en-US" smtClean="0"/>
+              <a:rPr lang="en-US"/>
               <a:t>Click to edit Master text styles</a:t>
             </a:r>
           </a:p>
           <a:p>
             <a:pPr lvl="1"/>
             <a:r>
-              <a:rPr lang="en-US" smtClean="0"/>
+              <a:rPr lang="en-US"/>
               <a:t>Second level</a:t>
             </a:r>
           </a:p>
           <a:p>
             <a:pPr lvl="2"/>
             <a:r>
-              <a:rPr lang="en-US" smtClean="0"/>
+              <a:rPr lang="en-US"/>
               <a:t>Third level</a:t>
             </a:r>
           </a:p>
           <a:p>
             <a:pPr lvl="3"/>
             <a:r>
-              <a:rPr lang="en-US" smtClean="0"/>
+              <a:rPr lang="en-US"/>
               <a:t>Fourth level</a:t>
             </a:r>
           </a:p>
           <a:p>
             <a:pPr lvl="4"/>
             <a:r>
-              <a:rPr lang="en-US" smtClean="0"/>
+              <a:rPr lang="en-US"/>
               <a:t>Fifth level</a:t>
             </a:r>
             <a:endParaRPr lang="en-US" dirty="0"/>
@@ -3609,7 +3580,7 @@
           </a:lstStyle>
           <a:p>
             <a:r>
-              <a:rPr lang="en-US" smtClean="0"/>
+              <a:rPr lang="en-US"/>
               <a:t>Click to edit Master title style</a:t>
             </a:r>
             <a:endParaRPr lang="en-US" dirty="0"/>
@@ -3677,7 +3648,7 @@
           <a:p>
             <a:pPr lvl="0"/>
             <a:r>
-              <a:rPr lang="en-US" smtClean="0"/>
+              <a:rPr lang="en-US"/>
               <a:t>Click to edit Master text styles</a:t>
             </a:r>
           </a:p>
@@ -3707,35 +3678,35 @@
           <a:p>
             <a:pPr lvl="0"/>
             <a:r>
-              <a:rPr lang="en-US" smtClean="0"/>
+              <a:rPr lang="en-US"/>
               <a:t>Click to edit Master text styles</a:t>
             </a:r>
           </a:p>
           <a:p>
             <a:pPr lvl="1"/>
             <a:r>
-              <a:rPr lang="en-US" smtClean="0"/>
+              <a:rPr lang="en-US"/>
               <a:t>Second level</a:t>
             </a:r>
           </a:p>
           <a:p>
             <a:pPr lvl="2"/>
             <a:r>
-              <a:rPr lang="en-US" smtClean="0"/>
+              <a:rPr lang="en-US"/>
               <a:t>Third level</a:t>
             </a:r>
           </a:p>
           <a:p>
             <a:pPr lvl="3"/>
             <a:r>
-              <a:rPr lang="en-US" smtClean="0"/>
+              <a:rPr lang="en-US"/>
               <a:t>Fourth level</a:t>
             </a:r>
           </a:p>
           <a:p>
             <a:pPr lvl="4"/>
             <a:r>
-              <a:rPr lang="en-US" smtClean="0"/>
+              <a:rPr lang="en-US"/>
               <a:t>Fifth level</a:t>
             </a:r>
             <a:endParaRPr lang="en-US" dirty="0"/>
@@ -3803,7 +3774,7 @@
           <a:p>
             <a:pPr lvl="0"/>
             <a:r>
-              <a:rPr lang="en-US" smtClean="0"/>
+              <a:rPr lang="en-US"/>
               <a:t>Click to edit Master text styles</a:t>
             </a:r>
           </a:p>
@@ -3833,35 +3804,35 @@
           <a:p>
             <a:pPr lvl="0"/>
             <a:r>
-              <a:rPr lang="en-US" smtClean="0"/>
+              <a:rPr lang="en-US"/>
               <a:t>Click to edit Master text styles</a:t>
             </a:r>
           </a:p>
           <a:p>
             <a:pPr lvl="1"/>
             <a:r>
-              <a:rPr lang="en-US" smtClean="0"/>
+              <a:rPr lang="en-US"/>
               <a:t>Second level</a:t>
             </a:r>
           </a:p>
           <a:p>
             <a:pPr lvl="2"/>
             <a:r>
-              <a:rPr lang="en-US" smtClean="0"/>
+              <a:rPr lang="en-US"/>
               <a:t>Third level</a:t>
             </a:r>
           </a:p>
           <a:p>
             <a:pPr lvl="3"/>
             <a:r>
-              <a:rPr lang="en-US" smtClean="0"/>
+              <a:rPr lang="en-US"/>
               <a:t>Fourth level</a:t>
             </a:r>
           </a:p>
           <a:p>
             <a:pPr lvl="4"/>
             <a:r>
-              <a:rPr lang="en-US" smtClean="0"/>
+              <a:rPr lang="en-US"/>
               <a:t>Fifth level</a:t>
             </a:r>
             <a:endParaRPr lang="en-US" dirty="0"/>
@@ -3986,7 +3957,7 @@
           <a:lstStyle/>
           <a:p>
             <a:r>
-              <a:rPr lang="en-US" smtClean="0"/>
+              <a:rPr lang="en-US"/>
               <a:t>Click to edit Master title style</a:t>
             </a:r>
             <a:endParaRPr lang="en-US" dirty="0"/>
@@ -4214,7 +4185,7 @@
           </a:lstStyle>
           <a:p>
             <a:r>
-              <a:rPr lang="en-US" smtClean="0"/>
+              <a:rPr lang="en-US"/>
               <a:t>Click to edit Master title style</a:t>
             </a:r>
             <a:endParaRPr lang="en-US" dirty="0"/>
@@ -4245,35 +4216,35 @@
           <a:p>
             <a:pPr lvl="0"/>
             <a:r>
-              <a:rPr lang="en-US" smtClean="0"/>
+              <a:rPr lang="en-US"/>
               <a:t>Click to edit Master text styles</a:t>
             </a:r>
           </a:p>
           <a:p>
             <a:pPr lvl="1"/>
             <a:r>
-              <a:rPr lang="en-US" smtClean="0"/>
+              <a:rPr lang="en-US"/>
               <a:t>Second level</a:t>
             </a:r>
           </a:p>
           <a:p>
             <a:pPr lvl="2"/>
             <a:r>
-              <a:rPr lang="en-US" smtClean="0"/>
+              <a:rPr lang="en-US"/>
               <a:t>Third level</a:t>
             </a:r>
           </a:p>
           <a:p>
             <a:pPr lvl="3"/>
             <a:r>
-              <a:rPr lang="en-US" smtClean="0"/>
+              <a:rPr lang="en-US"/>
               <a:t>Fourth level</a:t>
             </a:r>
           </a:p>
           <a:p>
             <a:pPr lvl="4"/>
             <a:r>
-              <a:rPr lang="en-US" smtClean="0"/>
+              <a:rPr lang="en-US"/>
               <a:t>Fifth level</a:t>
             </a:r>
             <a:endParaRPr lang="en-US" dirty="0"/>
@@ -4341,7 +4312,7 @@
           <a:p>
             <a:pPr lvl="0"/>
             <a:r>
-              <a:rPr lang="en-US" smtClean="0"/>
+              <a:rPr lang="en-US"/>
               <a:t>Click to edit Master text styles</a:t>
             </a:r>
           </a:p>
@@ -4469,7 +4440,7 @@
           </a:lstStyle>
           <a:p>
             <a:r>
-              <a:rPr lang="en-US" smtClean="0"/>
+              <a:rPr lang="en-US"/>
               <a:t>Click to edit Master title style</a:t>
             </a:r>
             <a:endParaRPr lang="en-US" dirty="0"/>
@@ -4536,7 +4507,7 @@
           </a:lstStyle>
           <a:p>
             <a:r>
-              <a:rPr lang="en-US" smtClean="0"/>
+              <a:rPr lang="en-US"/>
               <a:t>Click icon to add picture</a:t>
             </a:r>
             <a:endParaRPr lang="en-US" dirty="0"/>
@@ -4604,7 +4575,7 @@
           <a:p>
             <a:pPr lvl="0"/>
             <a:r>
-              <a:rPr lang="en-US" smtClean="0"/>
+              <a:rPr lang="en-US"/>
               <a:t>Click to edit Master text styles</a:t>
             </a:r>
           </a:p>
@@ -5268,7 +5239,7 @@
           <a:lstStyle/>
           <a:p>
             <a:r>
-              <a:rPr lang="en-US" smtClean="0"/>
+              <a:rPr lang="en-US"/>
               <a:t>Click to edit Master title style</a:t>
             </a:r>
             <a:endParaRPr lang="en-US" dirty="0"/>
@@ -5302,35 +5273,35 @@
           <a:p>
             <a:pPr lvl="0"/>
             <a:r>
-              <a:rPr lang="en-US" smtClean="0"/>
+              <a:rPr lang="en-US"/>
               <a:t>Click to edit Master text styles</a:t>
             </a:r>
           </a:p>
           <a:p>
             <a:pPr lvl="1"/>
             <a:r>
-              <a:rPr lang="en-US" smtClean="0"/>
+              <a:rPr lang="en-US"/>
               <a:t>Second level</a:t>
             </a:r>
           </a:p>
           <a:p>
             <a:pPr lvl="2"/>
             <a:r>
-              <a:rPr lang="en-US" smtClean="0"/>
+              <a:rPr lang="en-US"/>
               <a:t>Third level</a:t>
             </a:r>
           </a:p>
           <a:p>
             <a:pPr lvl="3"/>
             <a:r>
-              <a:rPr lang="en-US" smtClean="0"/>
+              <a:rPr lang="en-US"/>
               <a:t>Fourth level</a:t>
             </a:r>
           </a:p>
           <a:p>
             <a:pPr lvl="4"/>
             <a:r>
-              <a:rPr lang="en-US" smtClean="0"/>
+              <a:rPr lang="en-US"/>
               <a:t>Fifth level</a:t>
             </a:r>
             <a:endParaRPr lang="en-US" dirty="0"/>
@@ -5915,13 +5886,8 @@
           <a:p>
             <a:r>
               <a:rPr lang="en-US" dirty="0"/>
-              <a:t>DSBA 5122 </a:t>
-            </a:r>
-            <a:r>
-              <a:rPr lang="en-US" dirty="0" smtClean="0"/>
-              <a:t>Final Project</a:t>
-            </a:r>
-            <a:endParaRPr lang="en-US" dirty="0"/>
+              <a:t>DSBA 5122 Final Project</a:t>
+            </a:r>
           </a:p>
         </p:txBody>
       </p:sp>
@@ -5977,13 +5943,6 @@
   <p:clrMapOvr>
     <a:masterClrMapping/>
   </p:clrMapOvr>
-  <p:timing>
-    <p:tnLst>
-      <p:par>
-        <p:cTn id="1" dur="indefinite" restart="never" nodeType="tmRoot"/>
-      </p:par>
-    </p:tnLst>
-  </p:timing>
 </p:sld>
 </file>
 
@@ -6045,78 +6004,40 @@
           <a:p>
             <a:r>
               <a:rPr lang="en-US" dirty="0"/>
-              <a:t>Dataset: </a:t>
-            </a:r>
+              <a:t>Dataset: US Energy Information Administration (EIA) EIA-923 reports</a:t>
+            </a:r>
+          </a:p>
+          <a:p>
             <a:r>
               <a:rPr lang="en-US" dirty="0"/>
-              <a:t>US Energy Information Administration (EIA) </a:t>
-            </a:r>
-            <a:r>
-              <a:rPr lang="en-US" dirty="0" smtClean="0"/>
-              <a:t>EIA-923 reports</a:t>
-            </a:r>
-          </a:p>
-          <a:p>
-            <a:r>
-              <a:rPr lang="en-US" dirty="0" smtClean="0"/>
-              <a:t>Research </a:t>
-            </a:r>
+              <a:t>Research Question:</a:t>
+            </a:r>
+          </a:p>
+          <a:p>
             <a:r>
               <a:rPr lang="en-US" dirty="0"/>
-              <a:t>Question:</a:t>
-            </a:r>
-          </a:p>
-          <a:p>
-            <a:r>
-              <a:rPr lang="en-US" dirty="0" smtClean="0"/>
-              <a:t>How have </a:t>
-            </a:r>
+              <a:t>How have electricity generation and carbon emissions changed over time for each state in the Southeast region of the United States? </a:t>
+            </a:r>
+          </a:p>
+          <a:p>
             <a:r>
               <a:rPr lang="en-US" dirty="0"/>
-              <a:t>electricity generation </a:t>
-            </a:r>
-            <a:r>
-              <a:rPr lang="en-US" dirty="0" smtClean="0"/>
-              <a:t>and carbon emissions changed </a:t>
-            </a:r>
+              <a:t>Scenario:</a:t>
+            </a:r>
+          </a:p>
+          <a:p>
+            <a:pPr lvl="1"/>
             <a:r>
               <a:rPr lang="en-US" dirty="0"/>
-              <a:t>over time for each state in the Southeast region of the United </a:t>
-            </a:r>
-            <a:r>
-              <a:rPr lang="en-US" dirty="0" smtClean="0"/>
-              <a:t>States? </a:t>
-            </a:r>
-          </a:p>
-          <a:p>
-            <a:r>
-              <a:rPr lang="en-US" dirty="0" smtClean="0"/>
-              <a:t>Scenario</a:t>
-            </a:r>
+              <a:t>Audience can gain insight on changes in natural gas utilization due to technology advances in fracking of shale deposits</a:t>
+            </a:r>
+          </a:p>
+          <a:p>
+            <a:pPr lvl="1"/>
             <a:r>
               <a:rPr lang="en-US" dirty="0"/>
-              <a:t>:</a:t>
-            </a:r>
-          </a:p>
-          <a:p>
-            <a:pPr lvl="1"/>
-            <a:r>
-              <a:rPr lang="en-US" dirty="0" smtClean="0"/>
-              <a:t>Audience can gain insight on changes in natural gas utilization due to </a:t>
-            </a:r>
-            <a:r>
-              <a:rPr lang="en-US" dirty="0" smtClean="0"/>
-              <a:t>technology advances in fracking of shale deposits</a:t>
-            </a:r>
-            <a:endParaRPr lang="en-US" dirty="0"/>
-          </a:p>
-          <a:p>
-            <a:pPr lvl="1"/>
-            <a:r>
-              <a:rPr lang="en-US" dirty="0" smtClean="0"/>
               <a:t>Researchers can validate the impact of carbon emissions from the increased use of electricity generation from solar energy</a:t>
             </a:r>
-            <a:endParaRPr lang="en-US" dirty="0"/>
           </a:p>
         </p:txBody>
       </p:sp>
@@ -6130,13 +6051,6 @@
   <p:clrMapOvr>
     <a:masterClrMapping/>
   </p:clrMapOvr>
-  <p:timing>
-    <p:tnLst>
-      <p:par>
-        <p:cTn id="1" dur="indefinite" restart="never" nodeType="tmRoot"/>
-      </p:par>
-    </p:tnLst>
-  </p:timing>
 </p:sld>
 </file>
 
@@ -6203,131 +6117,81 @@
           <a:p>
             <a:r>
               <a:rPr lang="en-US" dirty="0"/>
-              <a:t>Utilized the following </a:t>
-            </a:r>
-            <a:r>
-              <a:rPr lang="en-US" dirty="0" smtClean="0"/>
-              <a:t>EIA </a:t>
-            </a:r>
+              <a:t>Utilized the following EIA data sets:</a:t>
+            </a:r>
+          </a:p>
+          <a:p>
+            <a:pPr lvl="1"/>
             <a:r>
               <a:rPr lang="en-US" dirty="0"/>
-              <a:t>data sets</a:t>
-            </a:r>
-            <a:r>
-              <a:rPr lang="en-US" dirty="0" smtClean="0"/>
-              <a:t>:</a:t>
+              <a:t>EIA-923 reports</a:t>
             </a:r>
           </a:p>
           <a:p>
             <a:pPr lvl="1"/>
             <a:r>
               <a:rPr lang="en-US" dirty="0"/>
-              <a:t>EIA-923 </a:t>
-            </a:r>
-            <a:r>
-              <a:rPr lang="en-US" dirty="0" smtClean="0"/>
-              <a:t>reports</a:t>
+              <a:t>Pre 2006 Data, EIA-906/920</a:t>
             </a:r>
           </a:p>
           <a:p>
             <a:pPr lvl="1"/>
             <a:r>
-              <a:rPr lang="en-US" dirty="0" smtClean="0"/>
-              <a:t>Pre </a:t>
-            </a:r>
-            <a:r>
               <a:rPr lang="en-US" dirty="0"/>
-              <a:t>2006 Data, </a:t>
-            </a:r>
-            <a:r>
-              <a:rPr lang="en-US" dirty="0" smtClean="0"/>
-              <a:t>EIA-906/920</a:t>
+              <a:t>EIA-860M for Generator-specific information</a:t>
+            </a:r>
+          </a:p>
+          <a:p>
+            <a:r>
+              <a:rPr lang="en-US" dirty="0"/>
+              <a:t>Defined Southeast region by State </a:t>
             </a:r>
           </a:p>
           <a:p>
             <a:pPr lvl="1"/>
             <a:r>
               <a:rPr lang="en-US" dirty="0"/>
-              <a:t>EIA-860M </a:t>
-            </a:r>
-            <a:r>
-              <a:rPr lang="en-US" dirty="0" smtClean="0"/>
-              <a:t>for </a:t>
-            </a:r>
+              <a:t>AL, AR, FL, GA, KY, LA, MI, NC, SC, TN, VA</a:t>
+            </a:r>
+          </a:p>
+          <a:p>
             <a:r>
               <a:rPr lang="en-US" dirty="0"/>
-              <a:t>G</a:t>
-            </a:r>
-            <a:r>
-              <a:rPr lang="en-US" dirty="0" smtClean="0"/>
-              <a:t>enerator-specific information</a:t>
-            </a:r>
-            <a:endParaRPr lang="en-US" dirty="0"/>
-          </a:p>
-          <a:p>
-            <a:r>
-              <a:rPr lang="en-US" dirty="0" smtClean="0"/>
-              <a:t>Defined Southeast region by State (AL, AR, FL, GA, KY, LA, MI, NC, SC, TN, VA)</a:t>
-            </a:r>
-          </a:p>
-          <a:p>
-            <a:r>
-              <a:rPr lang="en-US" dirty="0" smtClean="0"/>
               <a:t>Defined Energy Types</a:t>
             </a:r>
           </a:p>
           <a:p>
             <a:pPr lvl="1"/>
             <a:r>
-              <a:rPr lang="en-US" dirty="0" smtClean="0"/>
+              <a:rPr lang="en-US" dirty="0"/>
               <a:t>Renewable (Solar, Wind, Hydro, Bio)</a:t>
             </a:r>
           </a:p>
           <a:p>
             <a:pPr lvl="1"/>
             <a:r>
-              <a:rPr lang="en-US" dirty="0" smtClean="0"/>
+              <a:rPr lang="en-US" dirty="0"/>
               <a:t>Non-Renewable (Natural Gas, Coal, Nuclear, Oil, Other)</a:t>
             </a:r>
           </a:p>
           <a:p>
             <a:r>
-              <a:rPr lang="en-US" dirty="0" smtClean="0"/>
-              <a:t>Defined Low Carbon Emissions</a:t>
+              <a:rPr lang="en-US" dirty="0"/>
+              <a:t>Defined Greenhouse Gas Emissions</a:t>
             </a:r>
           </a:p>
           <a:p>
             <a:pPr lvl="1"/>
             <a:r>
-              <a:rPr lang="en-US" dirty="0" smtClean="0"/>
-              <a:t>Low Carbon (Solar, Wind, Hydro, Bio, Nuclear)</a:t>
-            </a:r>
-          </a:p>
-          <a:p>
-            <a:pPr lvl="1"/>
-            <a:r>
-              <a:rPr lang="en-US" dirty="0" smtClean="0"/>
-              <a:t>High Carbon (Natural Gas, Coal, Oil, Other)</a:t>
-            </a:r>
-          </a:p>
-          <a:p>
-            <a:r>
               <a:rPr lang="en-US" dirty="0"/>
-              <a:t>Wrangled and grouped </a:t>
-            </a:r>
-            <a:r>
-              <a:rPr lang="en-US" dirty="0" smtClean="0"/>
-              <a:t>energy data by Year and State </a:t>
-            </a:r>
+              <a:t>Emission Factors based on Intergovernmental Panel on Climate Change Assessment Report 5</a:t>
+            </a:r>
+          </a:p>
+          <a:p>
             <a:r>
               <a:rPr lang="en-US" dirty="0"/>
-              <a:t>and summarized to </a:t>
-            </a:r>
-            <a:r>
-              <a:rPr lang="en-US" dirty="0" smtClean="0"/>
-              <a:t>aggregate each measure, Net Generation (mw) and CO2 Gas Emissions</a:t>
-            </a:r>
-            <a:endParaRPr lang="en-US" dirty="0"/>
+              <a:t>Wrangled and grouped energy data by Year and State and summarized to aggregate each measure, Net Generation (MW) and Greenhouse Gas Emissions</a:t>
+            </a:r>
           </a:p>
           <a:p>
             <a:endParaRPr lang="en-US" dirty="0"/>
@@ -6344,13 +6208,6 @@
   <p:clrMapOvr>
     <a:masterClrMapping/>
   </p:clrMapOvr>
-  <p:timing>
-    <p:tnLst>
-      <p:par>
-        <p:cTn id="1" dur="indefinite" restart="never" nodeType="tmRoot"/>
-      </p:par>
-    </p:tnLst>
-  </p:timing>
 </p:sld>
 </file>
 
@@ -6389,32 +6246,22 @@
           <a:lstStyle/>
           <a:p>
             <a:r>
-              <a:rPr lang="en-US" dirty="0" smtClean="0">
+              <a:rPr lang="en-US" dirty="0">
                 <a:hlinkClick r:id="rId2"/>
               </a:rPr>
               <a:t>Shiny App</a:t>
             </a:r>
-            <a:r>
-              <a:rPr lang="en-US" dirty="0" smtClean="0"/>
-              <a:t/>
-            </a:r>
             <a:br>
-              <a:rPr lang="en-US" dirty="0" smtClean="0"/>
+              <a:rPr lang="en-US" dirty="0"/>
             </a:br>
-            <a:r>
-              <a:rPr lang="en-US" sz="1800" dirty="0" smtClean="0"/>
-              <a:t/>
-            </a:r>
             <a:br>
-              <a:rPr lang="en-US" sz="1800" dirty="0" smtClean="0"/>
+              <a:rPr lang="en-US" sz="1800" dirty="0"/>
             </a:br>
             <a:r>
-              <a:rPr lang="en-US" sz="1800" dirty="0" smtClean="0"/>
-              <a:t>https</a:t>
-            </a:r>
-            <a:r>
-              <a:rPr lang="en-US" sz="1800" dirty="0"/>
-              <a:t>://evan-canfield.shinyapps.io/SE_US_Electricity_Generation/</a:t>
+              <a:rPr lang="en-US" sz="1800" dirty="0">
+                <a:hlinkClick r:id="rId2"/>
+              </a:rPr>
+              <a:t>https://evan-canfield.shinyapps.io/Southeast_US_Electricity/</a:t>
             </a:r>
             <a:endParaRPr lang="en-US" sz="1800" dirty="0"/>
           </a:p>
@@ -6430,13 +6277,6 @@
   <p:clrMapOvr>
     <a:masterClrMapping/>
   </p:clrMapOvr>
-  <p:timing>
-    <p:tnLst>
-      <p:par>
-        <p:cTn id="1" dur="indefinite" restart="never" nodeType="tmRoot"/>
-      </p:par>
-    </p:tnLst>
-  </p:timing>
 </p:sld>
 </file>
 
